--- a/banner/Cover/Cover Photo.pptx
+++ b/banner/Cover/Cover Photo.pptx
@@ -262,7 +262,7 @@
           <a:p>
             <a:fld id="{FBC8E3A6-7046-4180-B31D-54CFFBA18E47}" type="datetimeFigureOut">
               <a:rPr lang="en-IN" smtClean="0"/>
-              <a:t>27-10-2021</a:t>
+              <a:t>07-12-2021</a:t>
             </a:fld>
             <a:endParaRPr lang="en-IN"/>
           </a:p>
@@ -462,7 +462,7 @@
           <a:p>
             <a:fld id="{FBC8E3A6-7046-4180-B31D-54CFFBA18E47}" type="datetimeFigureOut">
               <a:rPr lang="en-IN" smtClean="0"/>
-              <a:t>27-10-2021</a:t>
+              <a:t>07-12-2021</a:t>
             </a:fld>
             <a:endParaRPr lang="en-IN"/>
           </a:p>
@@ -672,7 +672,7 @@
           <a:p>
             <a:fld id="{FBC8E3A6-7046-4180-B31D-54CFFBA18E47}" type="datetimeFigureOut">
               <a:rPr lang="en-IN" smtClean="0"/>
-              <a:t>27-10-2021</a:t>
+              <a:t>07-12-2021</a:t>
             </a:fld>
             <a:endParaRPr lang="en-IN"/>
           </a:p>
@@ -872,7 +872,7 @@
           <a:p>
             <a:fld id="{FBC8E3A6-7046-4180-B31D-54CFFBA18E47}" type="datetimeFigureOut">
               <a:rPr lang="en-IN" smtClean="0"/>
-              <a:t>27-10-2021</a:t>
+              <a:t>07-12-2021</a:t>
             </a:fld>
             <a:endParaRPr lang="en-IN"/>
           </a:p>
@@ -1148,7 +1148,7 @@
           <a:p>
             <a:fld id="{FBC8E3A6-7046-4180-B31D-54CFFBA18E47}" type="datetimeFigureOut">
               <a:rPr lang="en-IN" smtClean="0"/>
-              <a:t>27-10-2021</a:t>
+              <a:t>07-12-2021</a:t>
             </a:fld>
             <a:endParaRPr lang="en-IN"/>
           </a:p>
@@ -1416,7 +1416,7 @@
           <a:p>
             <a:fld id="{FBC8E3A6-7046-4180-B31D-54CFFBA18E47}" type="datetimeFigureOut">
               <a:rPr lang="en-IN" smtClean="0"/>
-              <a:t>27-10-2021</a:t>
+              <a:t>07-12-2021</a:t>
             </a:fld>
             <a:endParaRPr lang="en-IN"/>
           </a:p>
@@ -1831,7 +1831,7 @@
           <a:p>
             <a:fld id="{FBC8E3A6-7046-4180-B31D-54CFFBA18E47}" type="datetimeFigureOut">
               <a:rPr lang="en-IN" smtClean="0"/>
-              <a:t>27-10-2021</a:t>
+              <a:t>07-12-2021</a:t>
             </a:fld>
             <a:endParaRPr lang="en-IN"/>
           </a:p>
@@ -1973,7 +1973,7 @@
           <a:p>
             <a:fld id="{FBC8E3A6-7046-4180-B31D-54CFFBA18E47}" type="datetimeFigureOut">
               <a:rPr lang="en-IN" smtClean="0"/>
-              <a:t>27-10-2021</a:t>
+              <a:t>07-12-2021</a:t>
             </a:fld>
             <a:endParaRPr lang="en-IN"/>
           </a:p>
@@ -2086,7 +2086,7 @@
           <a:p>
             <a:fld id="{FBC8E3A6-7046-4180-B31D-54CFFBA18E47}" type="datetimeFigureOut">
               <a:rPr lang="en-IN" smtClean="0"/>
-              <a:t>27-10-2021</a:t>
+              <a:t>07-12-2021</a:t>
             </a:fld>
             <a:endParaRPr lang="en-IN"/>
           </a:p>
@@ -2399,7 +2399,7 @@
           <a:p>
             <a:fld id="{FBC8E3A6-7046-4180-B31D-54CFFBA18E47}" type="datetimeFigureOut">
               <a:rPr lang="en-IN" smtClean="0"/>
-              <a:t>27-10-2021</a:t>
+              <a:t>07-12-2021</a:t>
             </a:fld>
             <a:endParaRPr lang="en-IN"/>
           </a:p>
@@ -2688,7 +2688,7 @@
           <a:p>
             <a:fld id="{FBC8E3A6-7046-4180-B31D-54CFFBA18E47}" type="datetimeFigureOut">
               <a:rPr lang="en-IN" smtClean="0"/>
-              <a:t>27-10-2021</a:t>
+              <a:t>07-12-2021</a:t>
             </a:fld>
             <a:endParaRPr lang="en-IN"/>
           </a:p>
@@ -2931,7 +2931,7 @@
           <a:p>
             <a:fld id="{FBC8E3A6-7046-4180-B31D-54CFFBA18E47}" type="datetimeFigureOut">
               <a:rPr lang="en-IN" smtClean="0"/>
-              <a:t>27-10-2021</a:t>
+              <a:t>07-12-2021</a:t>
             </a:fld>
             <a:endParaRPr lang="en-IN"/>
           </a:p>
@@ -3829,10 +3829,10 @@
       </p:pic>
       <p:pic>
         <p:nvPicPr>
-          <p:cNvPr id="55" name="Picture 54">
-            <a:extLst>
-              <a:ext uri="{FF2B5EF4-FFF2-40B4-BE49-F238E27FC236}">
-                <a16:creationId xmlns:a16="http://schemas.microsoft.com/office/drawing/2014/main" id="{A583619E-BA50-4F12-A247-5653B48EF63A}"/>
+          <p:cNvPr id="59" name="Picture 58">
+            <a:extLst>
+              <a:ext uri="{FF2B5EF4-FFF2-40B4-BE49-F238E27FC236}">
+                <a16:creationId xmlns:a16="http://schemas.microsoft.com/office/drawing/2014/main" id="{075587D7-435A-49C1-841C-FA717460F4E7}"/>
               </a:ext>
             </a:extLst>
           </p:cNvPr>
@@ -3855,8 +3855,8 @@
         </p:blipFill>
         <p:spPr>
           <a:xfrm>
-            <a:off x="8120012" y="497770"/>
-            <a:ext cx="1816720" cy="1346879"/>
+            <a:off x="8288469" y="4977500"/>
+            <a:ext cx="1831501" cy="1313093"/>
           </a:xfrm>
           <a:prstGeom prst="rect">
             <a:avLst/>
@@ -3865,10 +3865,10 @@
       </p:pic>
       <p:pic>
         <p:nvPicPr>
-          <p:cNvPr id="59" name="Picture 58">
-            <a:extLst>
-              <a:ext uri="{FF2B5EF4-FFF2-40B4-BE49-F238E27FC236}">
-                <a16:creationId xmlns:a16="http://schemas.microsoft.com/office/drawing/2014/main" id="{075587D7-435A-49C1-841C-FA717460F4E7}"/>
+          <p:cNvPr id="17" name="Picture 16">
+            <a:extLst>
+              <a:ext uri="{FF2B5EF4-FFF2-40B4-BE49-F238E27FC236}">
+                <a16:creationId xmlns:a16="http://schemas.microsoft.com/office/drawing/2014/main" id="{781DA179-416D-4506-9E60-1CDF73D37D0D}"/>
               </a:ext>
             </a:extLst>
           </p:cNvPr>
@@ -3877,7 +3877,7 @@
           </p:cNvPicPr>
           <p:nvPr/>
         </p:nvPicPr>
-        <p:blipFill>
+        <p:blipFill rotWithShape="1">
           <a:blip r:embed="rId16">
             <a:extLst>
               <a:ext uri="{28A0092B-C50C-407E-A947-70E740481C1C}">
@@ -3885,14 +3885,13 @@
               </a:ext>
             </a:extLst>
           </a:blip>
-          <a:stretch>
-            <a:fillRect/>
-          </a:stretch>
+          <a:srcRect l="22510" r="23700"/>
+          <a:stretch/>
         </p:blipFill>
         <p:spPr>
           <a:xfrm>
-            <a:off x="8288469" y="4977500"/>
-            <a:ext cx="1831501" cy="1313093"/>
+            <a:off x="8131793" y="480313"/>
+            <a:ext cx="1636408" cy="1387311"/>
           </a:xfrm>
           <a:prstGeom prst="rect">
             <a:avLst/>
@@ -3942,10 +3941,10 @@
       </p:grpSpPr>
       <p:pic>
         <p:nvPicPr>
-          <p:cNvPr id="9" name="Picture 8">
-            <a:extLst>
-              <a:ext uri="{FF2B5EF4-FFF2-40B4-BE49-F238E27FC236}">
-                <a16:creationId xmlns:a16="http://schemas.microsoft.com/office/drawing/2014/main" id="{EC6F8018-D6CB-47D2-8F88-DD0437CA1D35}"/>
+          <p:cNvPr id="13" name="Picture 12">
+            <a:extLst>
+              <a:ext uri="{FF2B5EF4-FFF2-40B4-BE49-F238E27FC236}">
+                <a16:creationId xmlns:a16="http://schemas.microsoft.com/office/drawing/2014/main" id="{56317646-1986-4EFE-8C12-13E6A3D3FB10}"/>
               </a:ext>
             </a:extLst>
           </p:cNvPr>
@@ -3967,9 +3966,9 @@
           </a:stretch>
         </p:blipFill>
         <p:spPr>
-          <a:xfrm rot="1879514">
-            <a:off x="7752489" y="2996905"/>
-            <a:ext cx="4654789" cy="2159111"/>
+          <a:xfrm rot="20780441">
+            <a:off x="10925633" y="539256"/>
+            <a:ext cx="1268286" cy="2724977"/>
           </a:xfrm>
           <a:prstGeom prst="rect">
             <a:avLst/>
@@ -3978,10 +3977,10 @@
       </p:pic>
       <p:pic>
         <p:nvPicPr>
-          <p:cNvPr id="13" name="Picture 12">
-            <a:extLst>
-              <a:ext uri="{FF2B5EF4-FFF2-40B4-BE49-F238E27FC236}">
-                <a16:creationId xmlns:a16="http://schemas.microsoft.com/office/drawing/2014/main" id="{56317646-1986-4EFE-8C12-13E6A3D3FB10}"/>
+          <p:cNvPr id="11" name="Picture 10">
+            <a:extLst>
+              <a:ext uri="{FF2B5EF4-FFF2-40B4-BE49-F238E27FC236}">
+                <a16:creationId xmlns:a16="http://schemas.microsoft.com/office/drawing/2014/main" id="{7AD13AA2-1FC8-4AC7-A1D3-2AD4B332B83E}"/>
               </a:ext>
             </a:extLst>
           </p:cNvPr>
@@ -4003,9 +4002,9 @@
           </a:stretch>
         </p:blipFill>
         <p:spPr>
-          <a:xfrm rot="20780441">
-            <a:off x="10925633" y="539256"/>
-            <a:ext cx="1268286" cy="2724977"/>
+          <a:xfrm rot="1477795">
+            <a:off x="10867754" y="4094113"/>
+            <a:ext cx="1195380" cy="2522168"/>
           </a:xfrm>
           <a:prstGeom prst="rect">
             <a:avLst/>
@@ -4014,10 +4013,10 @@
       </p:pic>
       <p:pic>
         <p:nvPicPr>
-          <p:cNvPr id="11" name="Picture 10">
-            <a:extLst>
-              <a:ext uri="{FF2B5EF4-FFF2-40B4-BE49-F238E27FC236}">
-                <a16:creationId xmlns:a16="http://schemas.microsoft.com/office/drawing/2014/main" id="{7AD13AA2-1FC8-4AC7-A1D3-2AD4B332B83E}"/>
+          <p:cNvPr id="9" name="Picture 8">
+            <a:extLst>
+              <a:ext uri="{FF2B5EF4-FFF2-40B4-BE49-F238E27FC236}">
+                <a16:creationId xmlns:a16="http://schemas.microsoft.com/office/drawing/2014/main" id="{EC6F8018-D6CB-47D2-8F88-DD0437CA1D35}"/>
               </a:ext>
             </a:extLst>
           </p:cNvPr>
@@ -4039,9 +4038,9 @@
           </a:stretch>
         </p:blipFill>
         <p:spPr>
-          <a:xfrm rot="1477795">
-            <a:off x="10867754" y="4094113"/>
-            <a:ext cx="1195380" cy="2522168"/>
+          <a:xfrm rot="1879514">
+            <a:off x="7589334" y="2790222"/>
+            <a:ext cx="5085517" cy="2358903"/>
           </a:xfrm>
           <a:prstGeom prst="rect">
             <a:avLst/>
@@ -4302,10 +4301,10 @@
       </p:pic>
       <p:pic>
         <p:nvPicPr>
-          <p:cNvPr id="49" name="Picture 48">
-            <a:extLst>
-              <a:ext uri="{FF2B5EF4-FFF2-40B4-BE49-F238E27FC236}">
-                <a16:creationId xmlns:a16="http://schemas.microsoft.com/office/drawing/2014/main" id="{94C93878-2B79-4FAF-83B9-21D05D9BDDEF}"/>
+          <p:cNvPr id="3" name="Picture 2">
+            <a:extLst>
+              <a:ext uri="{FF2B5EF4-FFF2-40B4-BE49-F238E27FC236}">
+                <a16:creationId xmlns:a16="http://schemas.microsoft.com/office/drawing/2014/main" id="{BB983010-95FA-4032-AAE0-2338B5DE66E2}"/>
               </a:ext>
             </a:extLst>
           </p:cNvPr>
@@ -4314,7 +4313,7 @@
           </p:cNvPicPr>
           <p:nvPr/>
         </p:nvPicPr>
-        <p:blipFill>
+        <p:blipFill rotWithShape="1">
           <a:blip r:embed="rId12">
             <a:extLst>
               <a:ext uri="{28A0092B-C50C-407E-A947-70E740481C1C}">
@@ -4322,14 +4321,13 @@
               </a:ext>
             </a:extLst>
           </a:blip>
-          <a:stretch>
-            <a:fillRect/>
-          </a:stretch>
+          <a:srcRect l="22510" r="23700"/>
+          <a:stretch/>
         </p:blipFill>
         <p:spPr>
           <a:xfrm>
-            <a:off x="6053141" y="1507628"/>
-            <a:ext cx="2296511" cy="2395135"/>
+            <a:off x="10049066" y="3032724"/>
+            <a:ext cx="1826430" cy="1548408"/>
           </a:xfrm>
           <a:prstGeom prst="rect">
             <a:avLst/>
@@ -4338,10 +4336,10 @@
       </p:pic>
       <p:pic>
         <p:nvPicPr>
-          <p:cNvPr id="4" name="Picture 3">
-            <a:extLst>
-              <a:ext uri="{FF2B5EF4-FFF2-40B4-BE49-F238E27FC236}">
-                <a16:creationId xmlns:a16="http://schemas.microsoft.com/office/drawing/2014/main" id="{93E42C8B-7507-49A8-AA87-CBD7E1522065}"/>
+          <p:cNvPr id="49" name="Picture 48">
+            <a:extLst>
+              <a:ext uri="{FF2B5EF4-FFF2-40B4-BE49-F238E27FC236}">
+                <a16:creationId xmlns:a16="http://schemas.microsoft.com/office/drawing/2014/main" id="{94C93878-2B79-4FAF-83B9-21D05D9BDDEF}"/>
               </a:ext>
             </a:extLst>
           </p:cNvPr>
@@ -4363,9 +4361,9 @@
           </a:stretch>
         </p:blipFill>
         <p:spPr>
-          <a:xfrm rot="20204249">
-            <a:off x="8361434" y="4277409"/>
-            <a:ext cx="3560579" cy="1951725"/>
+          <a:xfrm>
+            <a:off x="6053141" y="1507628"/>
+            <a:ext cx="2296511" cy="2395135"/>
           </a:xfrm>
           <a:prstGeom prst="rect">
             <a:avLst/>
@@ -4374,10 +4372,10 @@
       </p:pic>
       <p:pic>
         <p:nvPicPr>
-          <p:cNvPr id="7" name="Picture 6">
-            <a:extLst>
-              <a:ext uri="{FF2B5EF4-FFF2-40B4-BE49-F238E27FC236}">
-                <a16:creationId xmlns:a16="http://schemas.microsoft.com/office/drawing/2014/main" id="{C7D800BF-B41A-4895-868C-5162E11D01AD}"/>
+          <p:cNvPr id="4" name="Picture 3">
+            <a:extLst>
+              <a:ext uri="{FF2B5EF4-FFF2-40B4-BE49-F238E27FC236}">
+                <a16:creationId xmlns:a16="http://schemas.microsoft.com/office/drawing/2014/main" id="{93E42C8B-7507-49A8-AA87-CBD7E1522065}"/>
               </a:ext>
             </a:extLst>
           </p:cNvPr>
@@ -4399,9 +4397,9 @@
           </a:stretch>
         </p:blipFill>
         <p:spPr>
-          <a:xfrm>
-            <a:off x="9649715" y="1288925"/>
-            <a:ext cx="1970026" cy="2176289"/>
+          <a:xfrm rot="20204249">
+            <a:off x="8361434" y="4277409"/>
+            <a:ext cx="3560579" cy="1951725"/>
           </a:xfrm>
           <a:prstGeom prst="rect">
             <a:avLst/>
@@ -4410,10 +4408,10 @@
       </p:pic>
       <p:pic>
         <p:nvPicPr>
-          <p:cNvPr id="10" name="Picture 9">
-            <a:extLst>
-              <a:ext uri="{FF2B5EF4-FFF2-40B4-BE49-F238E27FC236}">
-                <a16:creationId xmlns:a16="http://schemas.microsoft.com/office/drawing/2014/main" id="{67AC2FCF-BA4F-43F0-B8E1-77BAE834CDAF}"/>
+          <p:cNvPr id="7" name="Picture 6">
+            <a:extLst>
+              <a:ext uri="{FF2B5EF4-FFF2-40B4-BE49-F238E27FC236}">
+                <a16:creationId xmlns:a16="http://schemas.microsoft.com/office/drawing/2014/main" id="{C7D800BF-B41A-4895-868C-5162E11D01AD}"/>
               </a:ext>
             </a:extLst>
           </p:cNvPr>
@@ -4436,8 +4434,8 @@
         </p:blipFill>
         <p:spPr>
           <a:xfrm>
-            <a:off x="10012509" y="3088087"/>
-            <a:ext cx="1987419" cy="1424879"/>
+            <a:off x="9649715" y="1288925"/>
+            <a:ext cx="1970026" cy="2176289"/>
           </a:xfrm>
           <a:prstGeom prst="rect">
             <a:avLst/>

--- a/banner/Cover/Cover Photo.pptx
+++ b/banner/Cover/Cover Photo.pptx
@@ -7,6 +7,8 @@
   <p:sldIdLst>
     <p:sldId id="256" r:id="rId2"/>
     <p:sldId id="257" r:id="rId3"/>
+    <p:sldId id="258" r:id="rId4"/>
+    <p:sldId id="259" r:id="rId5"/>
   </p:sldIdLst>
   <p:sldSz cx="12192000" cy="6858000"/>
   <p:notesSz cx="6858000" cy="9144000"/>
@@ -262,7 +264,7 @@
           <a:p>
             <a:fld id="{FBC8E3A6-7046-4180-B31D-54CFFBA18E47}" type="datetimeFigureOut">
               <a:rPr lang="en-IN" smtClean="0"/>
-              <a:t>07-12-2021</a:t>
+              <a:t>19-10-2024</a:t>
             </a:fld>
             <a:endParaRPr lang="en-IN"/>
           </a:p>
@@ -462,7 +464,7 @@
           <a:p>
             <a:fld id="{FBC8E3A6-7046-4180-B31D-54CFFBA18E47}" type="datetimeFigureOut">
               <a:rPr lang="en-IN" smtClean="0"/>
-              <a:t>07-12-2021</a:t>
+              <a:t>19-10-2024</a:t>
             </a:fld>
             <a:endParaRPr lang="en-IN"/>
           </a:p>
@@ -672,7 +674,7 @@
           <a:p>
             <a:fld id="{FBC8E3A6-7046-4180-B31D-54CFFBA18E47}" type="datetimeFigureOut">
               <a:rPr lang="en-IN" smtClean="0"/>
-              <a:t>07-12-2021</a:t>
+              <a:t>19-10-2024</a:t>
             </a:fld>
             <a:endParaRPr lang="en-IN"/>
           </a:p>
@@ -872,7 +874,7 @@
           <a:p>
             <a:fld id="{FBC8E3A6-7046-4180-B31D-54CFFBA18E47}" type="datetimeFigureOut">
               <a:rPr lang="en-IN" smtClean="0"/>
-              <a:t>07-12-2021</a:t>
+              <a:t>19-10-2024</a:t>
             </a:fld>
             <a:endParaRPr lang="en-IN"/>
           </a:p>
@@ -1148,7 +1150,7 @@
           <a:p>
             <a:fld id="{FBC8E3A6-7046-4180-B31D-54CFFBA18E47}" type="datetimeFigureOut">
               <a:rPr lang="en-IN" smtClean="0"/>
-              <a:t>07-12-2021</a:t>
+              <a:t>19-10-2024</a:t>
             </a:fld>
             <a:endParaRPr lang="en-IN"/>
           </a:p>
@@ -1416,7 +1418,7 @@
           <a:p>
             <a:fld id="{FBC8E3A6-7046-4180-B31D-54CFFBA18E47}" type="datetimeFigureOut">
               <a:rPr lang="en-IN" smtClean="0"/>
-              <a:t>07-12-2021</a:t>
+              <a:t>19-10-2024</a:t>
             </a:fld>
             <a:endParaRPr lang="en-IN"/>
           </a:p>
@@ -1831,7 +1833,7 @@
           <a:p>
             <a:fld id="{FBC8E3A6-7046-4180-B31D-54CFFBA18E47}" type="datetimeFigureOut">
               <a:rPr lang="en-IN" smtClean="0"/>
-              <a:t>07-12-2021</a:t>
+              <a:t>19-10-2024</a:t>
             </a:fld>
             <a:endParaRPr lang="en-IN"/>
           </a:p>
@@ -1973,7 +1975,7 @@
           <a:p>
             <a:fld id="{FBC8E3A6-7046-4180-B31D-54CFFBA18E47}" type="datetimeFigureOut">
               <a:rPr lang="en-IN" smtClean="0"/>
-              <a:t>07-12-2021</a:t>
+              <a:t>19-10-2024</a:t>
             </a:fld>
             <a:endParaRPr lang="en-IN"/>
           </a:p>
@@ -2086,7 +2088,7 @@
           <a:p>
             <a:fld id="{FBC8E3A6-7046-4180-B31D-54CFFBA18E47}" type="datetimeFigureOut">
               <a:rPr lang="en-IN" smtClean="0"/>
-              <a:t>07-12-2021</a:t>
+              <a:t>19-10-2024</a:t>
             </a:fld>
             <a:endParaRPr lang="en-IN"/>
           </a:p>
@@ -2399,7 +2401,7 @@
           <a:p>
             <a:fld id="{FBC8E3A6-7046-4180-B31D-54CFFBA18E47}" type="datetimeFigureOut">
               <a:rPr lang="en-IN" smtClean="0"/>
-              <a:t>07-12-2021</a:t>
+              <a:t>19-10-2024</a:t>
             </a:fld>
             <a:endParaRPr lang="en-IN"/>
           </a:p>
@@ -2688,7 +2690,7 @@
           <a:p>
             <a:fld id="{FBC8E3A6-7046-4180-B31D-54CFFBA18E47}" type="datetimeFigureOut">
               <a:rPr lang="en-IN" smtClean="0"/>
-              <a:t>07-12-2021</a:t>
+              <a:t>19-10-2024</a:t>
             </a:fld>
             <a:endParaRPr lang="en-IN"/>
           </a:p>
@@ -2765,9 +2767,15 @@
 <p:sldMaster xmlns:a="http://schemas.openxmlformats.org/drawingml/2006/main" xmlns:r="http://schemas.openxmlformats.org/officeDocument/2006/relationships" xmlns:p="http://schemas.openxmlformats.org/presentationml/2006/main">
   <p:cSld>
     <p:bg>
-      <p:bgRef idx="1001">
-        <a:schemeClr val="bg1"/>
-      </p:bgRef>
+      <p:bgPr>
+        <a:solidFill>
+          <a:schemeClr val="accent1">
+            <a:lumMod val="20000"/>
+            <a:lumOff val="80000"/>
+          </a:schemeClr>
+        </a:solidFill>
+        <a:effectLst/>
+      </p:bgPr>
     </p:bg>
     <p:spTree>
       <p:nvGrpSpPr>
@@ -2931,7 +2939,7 @@
           <a:p>
             <a:fld id="{FBC8E3A6-7046-4180-B31D-54CFFBA18E47}" type="datetimeFigureOut">
               <a:rPr lang="en-IN" smtClean="0"/>
-              <a:t>07-12-2021</a:t>
+              <a:t>19-10-2024</a:t>
             </a:fld>
             <a:endParaRPr lang="en-IN"/>
           </a:p>
@@ -3334,17 +3342,6 @@
 <file path=ppt/slides/slide1.xml><?xml version="1.0" encoding="utf-8"?>
 <p:sld xmlns:a="http://schemas.openxmlformats.org/drawingml/2006/main" xmlns:r="http://schemas.openxmlformats.org/officeDocument/2006/relationships" xmlns:p="http://schemas.openxmlformats.org/presentationml/2006/main">
   <p:cSld>
-    <p:bg>
-      <p:bgPr>
-        <a:solidFill>
-          <a:schemeClr val="accent1">
-            <a:lumMod val="20000"/>
-            <a:lumOff val="80000"/>
-          </a:schemeClr>
-        </a:solidFill>
-        <a:effectLst/>
-      </p:bgPr>
-    </p:bg>
     <p:spTree>
       <p:nvGrpSpPr>
         <p:cNvPr id="1" name=""/>
@@ -3914,17 +3911,6 @@
 <file path=ppt/slides/slide2.xml><?xml version="1.0" encoding="utf-8"?>
 <p:sld xmlns:a="http://schemas.openxmlformats.org/drawingml/2006/main" xmlns:r="http://schemas.openxmlformats.org/officeDocument/2006/relationships" xmlns:p="http://schemas.openxmlformats.org/presentationml/2006/main">
   <p:cSld>
-    <p:bg>
-      <p:bgPr>
-        <a:solidFill>
-          <a:schemeClr val="accent1">
-            <a:lumMod val="20000"/>
-            <a:lumOff val="80000"/>
-          </a:schemeClr>
-        </a:solidFill>
-        <a:effectLst/>
-      </p:bgPr>
-    </p:bg>
     <p:spTree>
       <p:nvGrpSpPr>
         <p:cNvPr id="1" name=""/>
@@ -4446,6 +4432,1248 @@
     <p:extLst>
       <p:ext uri="{BB962C8B-B14F-4D97-AF65-F5344CB8AC3E}">
         <p14:creationId xmlns:p14="http://schemas.microsoft.com/office/powerpoint/2010/main" val="993022892"/>
+      </p:ext>
+    </p:extLst>
+  </p:cSld>
+  <p:clrMapOvr>
+    <a:masterClrMapping/>
+  </p:clrMapOvr>
+</p:sld>
+</file>
+
+<file path=ppt/slides/slide3.xml><?xml version="1.0" encoding="utf-8"?>
+<p:sld xmlns:a="http://schemas.openxmlformats.org/drawingml/2006/main" xmlns:r="http://schemas.openxmlformats.org/officeDocument/2006/relationships" xmlns:p="http://schemas.openxmlformats.org/presentationml/2006/main">
+  <p:cSld>
+    <p:spTree>
+      <p:nvGrpSpPr>
+        <p:cNvPr id="1" name=""/>
+        <p:cNvGrpSpPr/>
+        <p:nvPr/>
+      </p:nvGrpSpPr>
+      <p:grpSpPr>
+        <a:xfrm>
+          <a:off x="0" y="0"/>
+          <a:ext cx="0" cy="0"/>
+          <a:chOff x="0" y="0"/>
+          <a:chExt cx="0" cy="0"/>
+        </a:xfrm>
+      </p:grpSpPr>
+      <p:pic>
+        <p:nvPicPr>
+          <p:cNvPr id="5" name="Picture 4">
+            <a:extLst>
+              <a:ext uri="{FF2B5EF4-FFF2-40B4-BE49-F238E27FC236}">
+                <a16:creationId xmlns:a16="http://schemas.microsoft.com/office/drawing/2014/main" id="{6AF9A0BF-2469-484A-95FB-DE2230D59D34}"/>
+              </a:ext>
+            </a:extLst>
+          </p:cNvPr>
+          <p:cNvPicPr>
+            <a:picLocks noChangeAspect="1"/>
+          </p:cNvPicPr>
+          <p:nvPr/>
+        </p:nvPicPr>
+        <p:blipFill>
+          <a:blip r:embed="rId2">
+            <a:extLst>
+              <a:ext uri="{28A0092B-C50C-407E-A947-70E740481C1C}">
+                <a14:useLocalDpi xmlns:a14="http://schemas.microsoft.com/office/drawing/2010/main" val="0"/>
+              </a:ext>
+            </a:extLst>
+          </a:blip>
+          <a:stretch>
+            <a:fillRect/>
+          </a:stretch>
+        </p:blipFill>
+        <p:spPr>
+          <a:xfrm>
+            <a:off x="8575769" y="1407522"/>
+            <a:ext cx="1944091" cy="2147639"/>
+          </a:xfrm>
+          <a:prstGeom prst="rect">
+            <a:avLst/>
+          </a:prstGeom>
+        </p:spPr>
+      </p:pic>
+      <p:pic>
+        <p:nvPicPr>
+          <p:cNvPr id="7" name="Picture 6">
+            <a:extLst>
+              <a:ext uri="{FF2B5EF4-FFF2-40B4-BE49-F238E27FC236}">
+                <a16:creationId xmlns:a16="http://schemas.microsoft.com/office/drawing/2014/main" id="{9C3DD3D1-5D48-4F9A-A92C-B2DBBEC8CEED}"/>
+              </a:ext>
+            </a:extLst>
+          </p:cNvPr>
+          <p:cNvPicPr>
+            <a:picLocks noChangeAspect="1"/>
+          </p:cNvPicPr>
+          <p:nvPr/>
+        </p:nvPicPr>
+        <p:blipFill>
+          <a:blip r:embed="rId3">
+            <a:extLst>
+              <a:ext uri="{28A0092B-C50C-407E-A947-70E740481C1C}">
+                <a14:useLocalDpi xmlns:a14="http://schemas.microsoft.com/office/drawing/2010/main" val="0"/>
+              </a:ext>
+            </a:extLst>
+          </a:blip>
+          <a:stretch>
+            <a:fillRect/>
+          </a:stretch>
+        </p:blipFill>
+        <p:spPr>
+          <a:xfrm rot="596065">
+            <a:off x="5168269" y="2221918"/>
+            <a:ext cx="4286470" cy="2349621"/>
+          </a:xfrm>
+          <a:prstGeom prst="rect">
+            <a:avLst/>
+          </a:prstGeom>
+        </p:spPr>
+      </p:pic>
+      <p:pic>
+        <p:nvPicPr>
+          <p:cNvPr id="9" name="Picture 8">
+            <a:extLst>
+              <a:ext uri="{FF2B5EF4-FFF2-40B4-BE49-F238E27FC236}">
+                <a16:creationId xmlns:a16="http://schemas.microsoft.com/office/drawing/2014/main" id="{EC6F8018-D6CB-47D2-8F88-DD0437CA1D35}"/>
+              </a:ext>
+            </a:extLst>
+          </p:cNvPr>
+          <p:cNvPicPr>
+            <a:picLocks noChangeAspect="1"/>
+          </p:cNvPicPr>
+          <p:nvPr/>
+        </p:nvPicPr>
+        <p:blipFill>
+          <a:blip r:embed="rId4">
+            <a:extLst>
+              <a:ext uri="{28A0092B-C50C-407E-A947-70E740481C1C}">
+                <a14:useLocalDpi xmlns:a14="http://schemas.microsoft.com/office/drawing/2010/main" val="0"/>
+              </a:ext>
+            </a:extLst>
+          </a:blip>
+          <a:stretch>
+            <a:fillRect/>
+          </a:stretch>
+        </p:blipFill>
+        <p:spPr>
+          <a:xfrm rot="19411474">
+            <a:off x="7035428" y="2872473"/>
+            <a:ext cx="4654789" cy="2159111"/>
+          </a:xfrm>
+          <a:prstGeom prst="rect">
+            <a:avLst/>
+          </a:prstGeom>
+        </p:spPr>
+      </p:pic>
+      <p:pic>
+        <p:nvPicPr>
+          <p:cNvPr id="11" name="Picture 10">
+            <a:extLst>
+              <a:ext uri="{FF2B5EF4-FFF2-40B4-BE49-F238E27FC236}">
+                <a16:creationId xmlns:a16="http://schemas.microsoft.com/office/drawing/2014/main" id="{7AD13AA2-1FC8-4AC7-A1D3-2AD4B332B83E}"/>
+              </a:ext>
+            </a:extLst>
+          </p:cNvPr>
+          <p:cNvPicPr>
+            <a:picLocks noChangeAspect="1"/>
+          </p:cNvPicPr>
+          <p:nvPr/>
+        </p:nvPicPr>
+        <p:blipFill>
+          <a:blip r:embed="rId5">
+            <a:extLst>
+              <a:ext uri="{28A0092B-C50C-407E-A947-70E740481C1C}">
+                <a14:useLocalDpi xmlns:a14="http://schemas.microsoft.com/office/drawing/2010/main" val="0"/>
+              </a:ext>
+            </a:extLst>
+          </a:blip>
+          <a:stretch>
+            <a:fillRect/>
+          </a:stretch>
+        </p:blipFill>
+        <p:spPr>
+          <a:xfrm rot="21040158">
+            <a:off x="10222118" y="418473"/>
+            <a:ext cx="1382855" cy="2917727"/>
+          </a:xfrm>
+          <a:prstGeom prst="rect">
+            <a:avLst/>
+          </a:prstGeom>
+        </p:spPr>
+      </p:pic>
+      <p:pic>
+        <p:nvPicPr>
+          <p:cNvPr id="13" name="Picture 12">
+            <a:extLst>
+              <a:ext uri="{FF2B5EF4-FFF2-40B4-BE49-F238E27FC236}">
+                <a16:creationId xmlns:a16="http://schemas.microsoft.com/office/drawing/2014/main" id="{56317646-1986-4EFE-8C12-13E6A3D3FB10}"/>
+              </a:ext>
+            </a:extLst>
+          </p:cNvPr>
+          <p:cNvPicPr>
+            <a:picLocks noChangeAspect="1"/>
+          </p:cNvPicPr>
+          <p:nvPr/>
+        </p:nvPicPr>
+        <p:blipFill>
+          <a:blip r:embed="rId6">
+            <a:extLst>
+              <a:ext uri="{28A0092B-C50C-407E-A947-70E740481C1C}">
+                <a14:useLocalDpi xmlns:a14="http://schemas.microsoft.com/office/drawing/2010/main" val="0"/>
+              </a:ext>
+            </a:extLst>
+          </a:blip>
+          <a:stretch>
+            <a:fillRect/>
+          </a:stretch>
+        </p:blipFill>
+        <p:spPr>
+          <a:xfrm rot="2036127">
+            <a:off x="10241025" y="3581336"/>
+            <a:ext cx="1268286" cy="2724977"/>
+          </a:xfrm>
+          <a:prstGeom prst="rect">
+            <a:avLst/>
+          </a:prstGeom>
+        </p:spPr>
+      </p:pic>
+      <p:pic>
+        <p:nvPicPr>
+          <p:cNvPr id="27" name="Picture 26">
+            <a:extLst>
+              <a:ext uri="{FF2B5EF4-FFF2-40B4-BE49-F238E27FC236}">
+                <a16:creationId xmlns:a16="http://schemas.microsoft.com/office/drawing/2014/main" id="{9D19A864-35B4-4640-AB1B-4DF0581F2793}"/>
+              </a:ext>
+            </a:extLst>
+          </p:cNvPr>
+          <p:cNvPicPr>
+            <a:picLocks noChangeAspect="1"/>
+          </p:cNvPicPr>
+          <p:nvPr/>
+        </p:nvPicPr>
+        <p:blipFill>
+          <a:blip r:embed="rId7">
+            <a:extLst>
+              <a:ext uri="{28A0092B-C50C-407E-A947-70E740481C1C}">
+                <a14:useLocalDpi xmlns:a14="http://schemas.microsoft.com/office/drawing/2010/main" val="0"/>
+              </a:ext>
+            </a:extLst>
+          </a:blip>
+          <a:stretch>
+            <a:fillRect/>
+          </a:stretch>
+        </p:blipFill>
+        <p:spPr>
+          <a:xfrm>
+            <a:off x="6928616" y="557556"/>
+            <a:ext cx="1816720" cy="1976015"/>
+          </a:xfrm>
+          <a:prstGeom prst="rect">
+            <a:avLst/>
+          </a:prstGeom>
+        </p:spPr>
+      </p:pic>
+      <p:pic>
+        <p:nvPicPr>
+          <p:cNvPr id="29" name="Picture 28">
+            <a:extLst>
+              <a:ext uri="{FF2B5EF4-FFF2-40B4-BE49-F238E27FC236}">
+                <a16:creationId xmlns:a16="http://schemas.microsoft.com/office/drawing/2014/main" id="{E33EE82B-A0C6-486C-BDA7-520156CEB1E9}"/>
+              </a:ext>
+            </a:extLst>
+          </p:cNvPr>
+          <p:cNvPicPr>
+            <a:picLocks noChangeAspect="1"/>
+          </p:cNvPicPr>
+          <p:nvPr/>
+        </p:nvPicPr>
+        <p:blipFill>
+          <a:blip r:embed="rId8">
+            <a:extLst>
+              <a:ext uri="{28A0092B-C50C-407E-A947-70E740481C1C}">
+                <a14:useLocalDpi xmlns:a14="http://schemas.microsoft.com/office/drawing/2010/main" val="0"/>
+              </a:ext>
+            </a:extLst>
+          </a:blip>
+          <a:stretch>
+            <a:fillRect/>
+          </a:stretch>
+        </p:blipFill>
+        <p:spPr>
+          <a:xfrm rot="21140156">
+            <a:off x="6953749" y="680609"/>
+            <a:ext cx="1625459" cy="2343953"/>
+          </a:xfrm>
+          <a:prstGeom prst="rect">
+            <a:avLst/>
+          </a:prstGeom>
+        </p:spPr>
+      </p:pic>
+      <p:pic>
+        <p:nvPicPr>
+          <p:cNvPr id="31" name="Picture 30">
+            <a:extLst>
+              <a:ext uri="{FF2B5EF4-FFF2-40B4-BE49-F238E27FC236}">
+                <a16:creationId xmlns:a16="http://schemas.microsoft.com/office/drawing/2014/main" id="{86D7ED80-FDFE-467C-9CB3-8F5A70DC18B6}"/>
+              </a:ext>
+            </a:extLst>
+          </p:cNvPr>
+          <p:cNvPicPr>
+            <a:picLocks noChangeAspect="1"/>
+          </p:cNvPicPr>
+          <p:nvPr/>
+        </p:nvPicPr>
+        <p:blipFill>
+          <a:blip r:embed="rId9">
+            <a:extLst>
+              <a:ext uri="{28A0092B-C50C-407E-A947-70E740481C1C}">
+                <a14:useLocalDpi xmlns:a14="http://schemas.microsoft.com/office/drawing/2010/main" val="0"/>
+              </a:ext>
+            </a:extLst>
+          </a:blip>
+          <a:stretch>
+            <a:fillRect/>
+          </a:stretch>
+        </p:blipFill>
+        <p:spPr>
+          <a:xfrm>
+            <a:off x="5823768" y="743436"/>
+            <a:ext cx="1842732" cy="2136616"/>
+          </a:xfrm>
+          <a:prstGeom prst="rect">
+            <a:avLst/>
+          </a:prstGeom>
+        </p:spPr>
+      </p:pic>
+      <p:pic>
+        <p:nvPicPr>
+          <p:cNvPr id="33" name="Picture 32">
+            <a:extLst>
+              <a:ext uri="{FF2B5EF4-FFF2-40B4-BE49-F238E27FC236}">
+                <a16:creationId xmlns:a16="http://schemas.microsoft.com/office/drawing/2014/main" id="{E9DE3020-9EEE-4202-9D37-4C5D18B0A463}"/>
+              </a:ext>
+            </a:extLst>
+          </p:cNvPr>
+          <p:cNvPicPr>
+            <a:picLocks noChangeAspect="1"/>
+          </p:cNvPicPr>
+          <p:nvPr/>
+        </p:nvPicPr>
+        <p:blipFill>
+          <a:blip r:embed="rId10">
+            <a:extLst>
+              <a:ext uri="{28A0092B-C50C-407E-A947-70E740481C1C}">
+                <a14:useLocalDpi xmlns:a14="http://schemas.microsoft.com/office/drawing/2010/main" val="0"/>
+              </a:ext>
+            </a:extLst>
+          </a:blip>
+          <a:stretch>
+            <a:fillRect/>
+          </a:stretch>
+        </p:blipFill>
+        <p:spPr>
+          <a:xfrm>
+            <a:off x="8820440" y="2819354"/>
+            <a:ext cx="2075827" cy="2831197"/>
+          </a:xfrm>
+          <a:prstGeom prst="rect">
+            <a:avLst/>
+          </a:prstGeom>
+        </p:spPr>
+      </p:pic>
+      <p:pic>
+        <p:nvPicPr>
+          <p:cNvPr id="35" name="Picture 34">
+            <a:extLst>
+              <a:ext uri="{FF2B5EF4-FFF2-40B4-BE49-F238E27FC236}">
+                <a16:creationId xmlns:a16="http://schemas.microsoft.com/office/drawing/2014/main" id="{94B2983B-4272-4CAB-8A7A-20219E67102D}"/>
+              </a:ext>
+            </a:extLst>
+          </p:cNvPr>
+          <p:cNvPicPr>
+            <a:picLocks noChangeAspect="1"/>
+          </p:cNvPicPr>
+          <p:nvPr/>
+        </p:nvPicPr>
+        <p:blipFill>
+          <a:blip r:embed="rId11">
+            <a:extLst>
+              <a:ext uri="{28A0092B-C50C-407E-A947-70E740481C1C}">
+                <a14:useLocalDpi xmlns:a14="http://schemas.microsoft.com/office/drawing/2010/main" val="0"/>
+              </a:ext>
+            </a:extLst>
+          </a:blip>
+          <a:stretch>
+            <a:fillRect/>
+          </a:stretch>
+        </p:blipFill>
+        <p:spPr>
+          <a:xfrm rot="238673">
+            <a:off x="4863141" y="1689396"/>
+            <a:ext cx="2189095" cy="2124845"/>
+          </a:xfrm>
+          <a:prstGeom prst="rect">
+            <a:avLst/>
+          </a:prstGeom>
+        </p:spPr>
+      </p:pic>
+      <p:pic>
+        <p:nvPicPr>
+          <p:cNvPr id="41" name="Picture 40">
+            <a:extLst>
+              <a:ext uri="{FF2B5EF4-FFF2-40B4-BE49-F238E27FC236}">
+                <a16:creationId xmlns:a16="http://schemas.microsoft.com/office/drawing/2014/main" id="{6765AA97-C19F-4714-9689-8B2DAC6358FD}"/>
+              </a:ext>
+            </a:extLst>
+          </p:cNvPr>
+          <p:cNvPicPr>
+            <a:picLocks noChangeAspect="1"/>
+          </p:cNvPicPr>
+          <p:nvPr/>
+        </p:nvPicPr>
+        <p:blipFill>
+          <a:blip r:embed="rId12">
+            <a:extLst>
+              <a:ext uri="{28A0092B-C50C-407E-A947-70E740481C1C}">
+                <a14:useLocalDpi xmlns:a14="http://schemas.microsoft.com/office/drawing/2010/main" val="0"/>
+              </a:ext>
+            </a:extLst>
+          </a:blip>
+          <a:stretch>
+            <a:fillRect/>
+          </a:stretch>
+        </p:blipFill>
+        <p:spPr>
+          <a:xfrm>
+            <a:off x="7932592" y="1915070"/>
+            <a:ext cx="812826" cy="2569110"/>
+          </a:xfrm>
+          <a:prstGeom prst="rect">
+            <a:avLst/>
+          </a:prstGeom>
+        </p:spPr>
+      </p:pic>
+      <p:pic>
+        <p:nvPicPr>
+          <p:cNvPr id="43" name="Picture 42">
+            <a:extLst>
+              <a:ext uri="{FF2B5EF4-FFF2-40B4-BE49-F238E27FC236}">
+                <a16:creationId xmlns:a16="http://schemas.microsoft.com/office/drawing/2014/main" id="{A7ED197E-1B2F-4D6A-9A9B-9C27DD7942C4}"/>
+              </a:ext>
+            </a:extLst>
+          </p:cNvPr>
+          <p:cNvPicPr>
+            <a:picLocks noChangeAspect="1"/>
+          </p:cNvPicPr>
+          <p:nvPr/>
+        </p:nvPicPr>
+        <p:blipFill>
+          <a:blip r:embed="rId13">
+            <a:extLst>
+              <a:ext uri="{28A0092B-C50C-407E-A947-70E740481C1C}">
+                <a14:useLocalDpi xmlns:a14="http://schemas.microsoft.com/office/drawing/2010/main" val="0"/>
+              </a:ext>
+            </a:extLst>
+          </a:blip>
+          <a:stretch>
+            <a:fillRect/>
+          </a:stretch>
+        </p:blipFill>
+        <p:spPr>
+          <a:xfrm>
+            <a:off x="6452459" y="3813427"/>
+            <a:ext cx="1855244" cy="1927182"/>
+          </a:xfrm>
+          <a:prstGeom prst="rect">
+            <a:avLst/>
+          </a:prstGeom>
+        </p:spPr>
+      </p:pic>
+      <p:pic>
+        <p:nvPicPr>
+          <p:cNvPr id="49" name="Picture 48">
+            <a:extLst>
+              <a:ext uri="{FF2B5EF4-FFF2-40B4-BE49-F238E27FC236}">
+                <a16:creationId xmlns:a16="http://schemas.microsoft.com/office/drawing/2014/main" id="{94C93878-2B79-4FAF-83B9-21D05D9BDDEF}"/>
+              </a:ext>
+            </a:extLst>
+          </p:cNvPr>
+          <p:cNvPicPr>
+            <a:picLocks noChangeAspect="1"/>
+          </p:cNvPicPr>
+          <p:nvPr/>
+        </p:nvPicPr>
+        <p:blipFill>
+          <a:blip r:embed="rId14">
+            <a:extLst>
+              <a:ext uri="{28A0092B-C50C-407E-A947-70E740481C1C}">
+                <a14:useLocalDpi xmlns:a14="http://schemas.microsoft.com/office/drawing/2010/main" val="0"/>
+              </a:ext>
+            </a:extLst>
+          </a:blip>
+          <a:stretch>
+            <a:fillRect/>
+          </a:stretch>
+        </p:blipFill>
+        <p:spPr>
+          <a:xfrm>
+            <a:off x="4956875" y="3193484"/>
+            <a:ext cx="2296511" cy="2395135"/>
+          </a:xfrm>
+          <a:prstGeom prst="rect">
+            <a:avLst/>
+          </a:prstGeom>
+        </p:spPr>
+      </p:pic>
+      <p:pic>
+        <p:nvPicPr>
+          <p:cNvPr id="59" name="Picture 58">
+            <a:extLst>
+              <a:ext uri="{FF2B5EF4-FFF2-40B4-BE49-F238E27FC236}">
+                <a16:creationId xmlns:a16="http://schemas.microsoft.com/office/drawing/2014/main" id="{075587D7-435A-49C1-841C-FA717460F4E7}"/>
+              </a:ext>
+            </a:extLst>
+          </p:cNvPr>
+          <p:cNvPicPr>
+            <a:picLocks noChangeAspect="1"/>
+          </p:cNvPicPr>
+          <p:nvPr/>
+        </p:nvPicPr>
+        <p:blipFill>
+          <a:blip r:embed="rId15">
+            <a:extLst>
+              <a:ext uri="{28A0092B-C50C-407E-A947-70E740481C1C}">
+                <a14:useLocalDpi xmlns:a14="http://schemas.microsoft.com/office/drawing/2010/main" val="0"/>
+              </a:ext>
+            </a:extLst>
+          </a:blip>
+          <a:stretch>
+            <a:fillRect/>
+          </a:stretch>
+        </p:blipFill>
+        <p:spPr>
+          <a:xfrm>
+            <a:off x="8288469" y="4977500"/>
+            <a:ext cx="1831501" cy="1313093"/>
+          </a:xfrm>
+          <a:prstGeom prst="rect">
+            <a:avLst/>
+          </a:prstGeom>
+        </p:spPr>
+      </p:pic>
+      <p:pic>
+        <p:nvPicPr>
+          <p:cNvPr id="17" name="Picture 16">
+            <a:extLst>
+              <a:ext uri="{FF2B5EF4-FFF2-40B4-BE49-F238E27FC236}">
+                <a16:creationId xmlns:a16="http://schemas.microsoft.com/office/drawing/2014/main" id="{781DA179-416D-4506-9E60-1CDF73D37D0D}"/>
+              </a:ext>
+            </a:extLst>
+          </p:cNvPr>
+          <p:cNvPicPr>
+            <a:picLocks noChangeAspect="1"/>
+          </p:cNvPicPr>
+          <p:nvPr/>
+        </p:nvPicPr>
+        <p:blipFill rotWithShape="1">
+          <a:blip r:embed="rId16">
+            <a:extLst>
+              <a:ext uri="{28A0092B-C50C-407E-A947-70E740481C1C}">
+                <a14:useLocalDpi xmlns:a14="http://schemas.microsoft.com/office/drawing/2010/main" val="0"/>
+              </a:ext>
+            </a:extLst>
+          </a:blip>
+          <a:srcRect l="22510" r="23700"/>
+          <a:stretch/>
+        </p:blipFill>
+        <p:spPr>
+          <a:xfrm>
+            <a:off x="8131793" y="480313"/>
+            <a:ext cx="1636408" cy="1387311"/>
+          </a:xfrm>
+          <a:prstGeom prst="rect">
+            <a:avLst/>
+          </a:prstGeom>
+        </p:spPr>
+      </p:pic>
+      <p:pic>
+        <p:nvPicPr>
+          <p:cNvPr id="3" name="Picture 2">
+            <a:extLst>
+              <a:ext uri="{FF2B5EF4-FFF2-40B4-BE49-F238E27FC236}">
+                <a16:creationId xmlns:a16="http://schemas.microsoft.com/office/drawing/2014/main" id="{BE2DAC32-E281-0148-2776-9A768B2729E8}"/>
+              </a:ext>
+            </a:extLst>
+          </p:cNvPr>
+          <p:cNvPicPr>
+            <a:picLocks noChangeAspect="1"/>
+          </p:cNvPicPr>
+          <p:nvPr/>
+        </p:nvPicPr>
+        <p:blipFill>
+          <a:blip r:embed="rId17">
+            <a:extLst>
+              <a:ext uri="{28A0092B-C50C-407E-A947-70E740481C1C}">
+                <a14:useLocalDpi xmlns:a14="http://schemas.microsoft.com/office/drawing/2010/main" val="0"/>
+              </a:ext>
+            </a:extLst>
+          </a:blip>
+          <a:srcRect l="17964" t="7388" r="18048" b="9741"/>
+          <a:stretch/>
+        </p:blipFill>
+        <p:spPr>
+          <a:xfrm>
+            <a:off x="2436092" y="1318166"/>
+            <a:ext cx="3189124" cy="2326349"/>
+          </a:xfrm>
+          <a:prstGeom prst="rect">
+            <a:avLst/>
+          </a:prstGeom>
+        </p:spPr>
+      </p:pic>
+      <p:pic>
+        <p:nvPicPr>
+          <p:cNvPr id="6" name="Picture 5">
+            <a:extLst>
+              <a:ext uri="{FF2B5EF4-FFF2-40B4-BE49-F238E27FC236}">
+                <a16:creationId xmlns:a16="http://schemas.microsoft.com/office/drawing/2014/main" id="{63F73293-35EF-3B79-F747-2C336A71E7B9}"/>
+              </a:ext>
+            </a:extLst>
+          </p:cNvPr>
+          <p:cNvPicPr>
+            <a:picLocks noChangeAspect="1"/>
+          </p:cNvPicPr>
+          <p:nvPr/>
+        </p:nvPicPr>
+        <p:blipFill>
+          <a:blip r:embed="rId18">
+            <a:extLst>
+              <a:ext uri="{28A0092B-C50C-407E-A947-70E740481C1C}">
+                <a14:useLocalDpi xmlns:a14="http://schemas.microsoft.com/office/drawing/2010/main" val="0"/>
+              </a:ext>
+            </a:extLst>
+          </a:blip>
+          <a:srcRect l="9224" t="8139" r="10858" b="6663"/>
+          <a:stretch/>
+        </p:blipFill>
+        <p:spPr>
+          <a:xfrm>
+            <a:off x="2190860" y="2885330"/>
+            <a:ext cx="4184955" cy="2512074"/>
+          </a:xfrm>
+          <a:prstGeom prst="rect">
+            <a:avLst/>
+          </a:prstGeom>
+        </p:spPr>
+      </p:pic>
+    </p:spTree>
+    <p:extLst>
+      <p:ext uri="{BB962C8B-B14F-4D97-AF65-F5344CB8AC3E}">
+        <p14:creationId xmlns:p14="http://schemas.microsoft.com/office/powerpoint/2010/main" val="1101446837"/>
+      </p:ext>
+    </p:extLst>
+  </p:cSld>
+  <p:clrMapOvr>
+    <a:masterClrMapping/>
+  </p:clrMapOvr>
+</p:sld>
+</file>
+
+<file path=ppt/slides/slide4.xml><?xml version="1.0" encoding="utf-8"?>
+<p:sld xmlns:a="http://schemas.openxmlformats.org/drawingml/2006/main" xmlns:r="http://schemas.openxmlformats.org/officeDocument/2006/relationships" xmlns:p="http://schemas.openxmlformats.org/presentationml/2006/main">
+  <p:cSld>
+    <p:spTree>
+      <p:nvGrpSpPr>
+        <p:cNvPr id="1" name=""/>
+        <p:cNvGrpSpPr/>
+        <p:nvPr/>
+      </p:nvGrpSpPr>
+      <p:grpSpPr>
+        <a:xfrm>
+          <a:off x="0" y="0"/>
+          <a:ext cx="0" cy="0"/>
+          <a:chOff x="0" y="0"/>
+          <a:chExt cx="0" cy="0"/>
+        </a:xfrm>
+      </p:grpSpPr>
+      <p:pic>
+        <p:nvPicPr>
+          <p:cNvPr id="13" name="Picture 12">
+            <a:extLst>
+              <a:ext uri="{FF2B5EF4-FFF2-40B4-BE49-F238E27FC236}">
+                <a16:creationId xmlns:a16="http://schemas.microsoft.com/office/drawing/2014/main" id="{56317646-1986-4EFE-8C12-13E6A3D3FB10}"/>
+              </a:ext>
+            </a:extLst>
+          </p:cNvPr>
+          <p:cNvPicPr>
+            <a:picLocks noChangeAspect="1"/>
+          </p:cNvPicPr>
+          <p:nvPr/>
+        </p:nvPicPr>
+        <p:blipFill>
+          <a:blip r:embed="rId2">
+            <a:extLst>
+              <a:ext uri="{28A0092B-C50C-407E-A947-70E740481C1C}">
+                <a14:useLocalDpi xmlns:a14="http://schemas.microsoft.com/office/drawing/2010/main" val="0"/>
+              </a:ext>
+            </a:extLst>
+          </a:blip>
+          <a:stretch>
+            <a:fillRect/>
+          </a:stretch>
+        </p:blipFill>
+        <p:spPr>
+          <a:xfrm rot="20780441">
+            <a:off x="10925633" y="539256"/>
+            <a:ext cx="1268286" cy="2724977"/>
+          </a:xfrm>
+          <a:prstGeom prst="rect">
+            <a:avLst/>
+          </a:prstGeom>
+        </p:spPr>
+      </p:pic>
+      <p:pic>
+        <p:nvPicPr>
+          <p:cNvPr id="11" name="Picture 10">
+            <a:extLst>
+              <a:ext uri="{FF2B5EF4-FFF2-40B4-BE49-F238E27FC236}">
+                <a16:creationId xmlns:a16="http://schemas.microsoft.com/office/drawing/2014/main" id="{7AD13AA2-1FC8-4AC7-A1D3-2AD4B332B83E}"/>
+              </a:ext>
+            </a:extLst>
+          </p:cNvPr>
+          <p:cNvPicPr>
+            <a:picLocks noChangeAspect="1"/>
+          </p:cNvPicPr>
+          <p:nvPr/>
+        </p:nvPicPr>
+        <p:blipFill>
+          <a:blip r:embed="rId3">
+            <a:extLst>
+              <a:ext uri="{28A0092B-C50C-407E-A947-70E740481C1C}">
+                <a14:useLocalDpi xmlns:a14="http://schemas.microsoft.com/office/drawing/2010/main" val="0"/>
+              </a:ext>
+            </a:extLst>
+          </a:blip>
+          <a:stretch>
+            <a:fillRect/>
+          </a:stretch>
+        </p:blipFill>
+        <p:spPr>
+          <a:xfrm rot="1477795">
+            <a:off x="10867754" y="4094113"/>
+            <a:ext cx="1195380" cy="2522168"/>
+          </a:xfrm>
+          <a:prstGeom prst="rect">
+            <a:avLst/>
+          </a:prstGeom>
+        </p:spPr>
+      </p:pic>
+      <p:pic>
+        <p:nvPicPr>
+          <p:cNvPr id="9" name="Picture 8">
+            <a:extLst>
+              <a:ext uri="{FF2B5EF4-FFF2-40B4-BE49-F238E27FC236}">
+                <a16:creationId xmlns:a16="http://schemas.microsoft.com/office/drawing/2014/main" id="{EC6F8018-D6CB-47D2-8F88-DD0437CA1D35}"/>
+              </a:ext>
+            </a:extLst>
+          </p:cNvPr>
+          <p:cNvPicPr>
+            <a:picLocks noChangeAspect="1"/>
+          </p:cNvPicPr>
+          <p:nvPr/>
+        </p:nvPicPr>
+        <p:blipFill>
+          <a:blip r:embed="rId4">
+            <a:extLst>
+              <a:ext uri="{28A0092B-C50C-407E-A947-70E740481C1C}">
+                <a14:useLocalDpi xmlns:a14="http://schemas.microsoft.com/office/drawing/2010/main" val="0"/>
+              </a:ext>
+            </a:extLst>
+          </a:blip>
+          <a:stretch>
+            <a:fillRect/>
+          </a:stretch>
+        </p:blipFill>
+        <p:spPr>
+          <a:xfrm rot="1879514">
+            <a:off x="7589334" y="2790222"/>
+            <a:ext cx="5085517" cy="2358903"/>
+          </a:xfrm>
+          <a:prstGeom prst="rect">
+            <a:avLst/>
+          </a:prstGeom>
+        </p:spPr>
+      </p:pic>
+      <p:pic>
+        <p:nvPicPr>
+          <p:cNvPr id="27" name="Picture 26">
+            <a:extLst>
+              <a:ext uri="{FF2B5EF4-FFF2-40B4-BE49-F238E27FC236}">
+                <a16:creationId xmlns:a16="http://schemas.microsoft.com/office/drawing/2014/main" id="{9D19A864-35B4-4640-AB1B-4DF0581F2793}"/>
+              </a:ext>
+            </a:extLst>
+          </p:cNvPr>
+          <p:cNvPicPr>
+            <a:picLocks noChangeAspect="1"/>
+          </p:cNvPicPr>
+          <p:nvPr/>
+        </p:nvPicPr>
+        <p:blipFill>
+          <a:blip r:embed="rId5">
+            <a:extLst>
+              <a:ext uri="{28A0092B-C50C-407E-A947-70E740481C1C}">
+                <a14:useLocalDpi xmlns:a14="http://schemas.microsoft.com/office/drawing/2010/main" val="0"/>
+              </a:ext>
+            </a:extLst>
+          </a:blip>
+          <a:stretch>
+            <a:fillRect/>
+          </a:stretch>
+        </p:blipFill>
+        <p:spPr>
+          <a:xfrm>
+            <a:off x="8355449" y="1165282"/>
+            <a:ext cx="1279301" cy="1391474"/>
+          </a:xfrm>
+          <a:prstGeom prst="rect">
+            <a:avLst/>
+          </a:prstGeom>
+        </p:spPr>
+      </p:pic>
+      <p:pic>
+        <p:nvPicPr>
+          <p:cNvPr id="29" name="Picture 28">
+            <a:extLst>
+              <a:ext uri="{FF2B5EF4-FFF2-40B4-BE49-F238E27FC236}">
+                <a16:creationId xmlns:a16="http://schemas.microsoft.com/office/drawing/2014/main" id="{E33EE82B-A0C6-486C-BDA7-520156CEB1E9}"/>
+              </a:ext>
+            </a:extLst>
+          </p:cNvPr>
+          <p:cNvPicPr>
+            <a:picLocks noChangeAspect="1"/>
+          </p:cNvPicPr>
+          <p:nvPr/>
+        </p:nvPicPr>
+        <p:blipFill>
+          <a:blip r:embed="rId6">
+            <a:extLst>
+              <a:ext uri="{28A0092B-C50C-407E-A947-70E740481C1C}">
+                <a14:useLocalDpi xmlns:a14="http://schemas.microsoft.com/office/drawing/2010/main" val="0"/>
+              </a:ext>
+            </a:extLst>
+          </a:blip>
+          <a:stretch>
+            <a:fillRect/>
+          </a:stretch>
+        </p:blipFill>
+        <p:spPr>
+          <a:xfrm rot="21140156">
+            <a:off x="8354130" y="994021"/>
+            <a:ext cx="1222154" cy="1762377"/>
+          </a:xfrm>
+          <a:prstGeom prst="rect">
+            <a:avLst/>
+          </a:prstGeom>
+        </p:spPr>
+      </p:pic>
+      <p:pic>
+        <p:nvPicPr>
+          <p:cNvPr id="31" name="Picture 30">
+            <a:extLst>
+              <a:ext uri="{FF2B5EF4-FFF2-40B4-BE49-F238E27FC236}">
+                <a16:creationId xmlns:a16="http://schemas.microsoft.com/office/drawing/2014/main" id="{86D7ED80-FDFE-467C-9CB3-8F5A70DC18B6}"/>
+              </a:ext>
+            </a:extLst>
+          </p:cNvPr>
+          <p:cNvPicPr>
+            <a:picLocks noChangeAspect="1"/>
+          </p:cNvPicPr>
+          <p:nvPr/>
+        </p:nvPicPr>
+        <p:blipFill>
+          <a:blip r:embed="rId7">
+            <a:extLst>
+              <a:ext uri="{28A0092B-C50C-407E-A947-70E740481C1C}">
+                <a14:useLocalDpi xmlns:a14="http://schemas.microsoft.com/office/drawing/2010/main" val="0"/>
+              </a:ext>
+            </a:extLst>
+          </a:blip>
+          <a:stretch>
+            <a:fillRect/>
+          </a:stretch>
+        </p:blipFill>
+        <p:spPr>
+          <a:xfrm>
+            <a:off x="7515532" y="1470315"/>
+            <a:ext cx="1820048" cy="2110315"/>
+          </a:xfrm>
+          <a:prstGeom prst="rect">
+            <a:avLst/>
+          </a:prstGeom>
+        </p:spPr>
+      </p:pic>
+      <p:pic>
+        <p:nvPicPr>
+          <p:cNvPr id="33" name="Picture 32">
+            <a:extLst>
+              <a:ext uri="{FF2B5EF4-FFF2-40B4-BE49-F238E27FC236}">
+                <a16:creationId xmlns:a16="http://schemas.microsoft.com/office/drawing/2014/main" id="{E9DE3020-9EEE-4202-9D37-4C5D18B0A463}"/>
+              </a:ext>
+            </a:extLst>
+          </p:cNvPr>
+          <p:cNvPicPr>
+            <a:picLocks noChangeAspect="1"/>
+          </p:cNvPicPr>
+          <p:nvPr/>
+        </p:nvPicPr>
+        <p:blipFill>
+          <a:blip r:embed="rId8">
+            <a:extLst>
+              <a:ext uri="{28A0092B-C50C-407E-A947-70E740481C1C}">
+                <a14:useLocalDpi xmlns:a14="http://schemas.microsoft.com/office/drawing/2010/main" val="0"/>
+              </a:ext>
+            </a:extLst>
+          </a:blip>
+          <a:stretch>
+            <a:fillRect/>
+          </a:stretch>
+        </p:blipFill>
+        <p:spPr>
+          <a:xfrm rot="21425350">
+            <a:off x="7416981" y="2069091"/>
+            <a:ext cx="1769228" cy="2413030"/>
+          </a:xfrm>
+          <a:prstGeom prst="rect">
+            <a:avLst/>
+          </a:prstGeom>
+        </p:spPr>
+      </p:pic>
+      <p:pic>
+        <p:nvPicPr>
+          <p:cNvPr id="35" name="Picture 34">
+            <a:extLst>
+              <a:ext uri="{FF2B5EF4-FFF2-40B4-BE49-F238E27FC236}">
+                <a16:creationId xmlns:a16="http://schemas.microsoft.com/office/drawing/2014/main" id="{94B2983B-4272-4CAB-8A7A-20219E67102D}"/>
+              </a:ext>
+            </a:extLst>
+          </p:cNvPr>
+          <p:cNvPicPr>
+            <a:picLocks noChangeAspect="1"/>
+          </p:cNvPicPr>
+          <p:nvPr/>
+        </p:nvPicPr>
+        <p:blipFill>
+          <a:blip r:embed="rId9">
+            <a:extLst>
+              <a:ext uri="{28A0092B-C50C-407E-A947-70E740481C1C}">
+                <a14:useLocalDpi xmlns:a14="http://schemas.microsoft.com/office/drawing/2010/main" val="0"/>
+              </a:ext>
+            </a:extLst>
+          </a:blip>
+          <a:stretch>
+            <a:fillRect/>
+          </a:stretch>
+        </p:blipFill>
+        <p:spPr>
+          <a:xfrm>
+            <a:off x="6673179" y="3586716"/>
+            <a:ext cx="2285508" cy="2218429"/>
+          </a:xfrm>
+          <a:prstGeom prst="rect">
+            <a:avLst/>
+          </a:prstGeom>
+        </p:spPr>
+      </p:pic>
+      <p:pic>
+        <p:nvPicPr>
+          <p:cNvPr id="41" name="Picture 40">
+            <a:extLst>
+              <a:ext uri="{FF2B5EF4-FFF2-40B4-BE49-F238E27FC236}">
+                <a16:creationId xmlns:a16="http://schemas.microsoft.com/office/drawing/2014/main" id="{6765AA97-C19F-4714-9689-8B2DAC6358FD}"/>
+              </a:ext>
+            </a:extLst>
+          </p:cNvPr>
+          <p:cNvPicPr>
+            <a:picLocks noChangeAspect="1"/>
+          </p:cNvPicPr>
+          <p:nvPr/>
+        </p:nvPicPr>
+        <p:blipFill>
+          <a:blip r:embed="rId10">
+            <a:extLst>
+              <a:ext uri="{28A0092B-C50C-407E-A947-70E740481C1C}">
+                <a14:useLocalDpi xmlns:a14="http://schemas.microsoft.com/office/drawing/2010/main" val="0"/>
+              </a:ext>
+            </a:extLst>
+          </a:blip>
+          <a:stretch>
+            <a:fillRect/>
+          </a:stretch>
+        </p:blipFill>
+        <p:spPr>
+          <a:xfrm>
+            <a:off x="9302866" y="749203"/>
+            <a:ext cx="812826" cy="2569110"/>
+          </a:xfrm>
+          <a:prstGeom prst="rect">
+            <a:avLst/>
+          </a:prstGeom>
+        </p:spPr>
+      </p:pic>
+      <p:pic>
+        <p:nvPicPr>
+          <p:cNvPr id="43" name="Picture 42">
+            <a:extLst>
+              <a:ext uri="{FF2B5EF4-FFF2-40B4-BE49-F238E27FC236}">
+                <a16:creationId xmlns:a16="http://schemas.microsoft.com/office/drawing/2014/main" id="{A7ED197E-1B2F-4D6A-9A9B-9C27DD7942C4}"/>
+              </a:ext>
+            </a:extLst>
+          </p:cNvPr>
+          <p:cNvPicPr>
+            <a:picLocks noChangeAspect="1"/>
+          </p:cNvPicPr>
+          <p:nvPr/>
+        </p:nvPicPr>
+        <p:blipFill>
+          <a:blip r:embed="rId11">
+            <a:extLst>
+              <a:ext uri="{28A0092B-C50C-407E-A947-70E740481C1C}">
+                <a14:useLocalDpi xmlns:a14="http://schemas.microsoft.com/office/drawing/2010/main" val="0"/>
+              </a:ext>
+            </a:extLst>
+          </a:blip>
+          <a:stretch>
+            <a:fillRect/>
+          </a:stretch>
+        </p:blipFill>
+        <p:spPr>
+          <a:xfrm>
+            <a:off x="8159620" y="4120559"/>
+            <a:ext cx="1855244" cy="1927182"/>
+          </a:xfrm>
+          <a:prstGeom prst="rect">
+            <a:avLst/>
+          </a:prstGeom>
+        </p:spPr>
+      </p:pic>
+      <p:pic>
+        <p:nvPicPr>
+          <p:cNvPr id="3" name="Picture 2">
+            <a:extLst>
+              <a:ext uri="{FF2B5EF4-FFF2-40B4-BE49-F238E27FC236}">
+                <a16:creationId xmlns:a16="http://schemas.microsoft.com/office/drawing/2014/main" id="{BB983010-95FA-4032-AAE0-2338B5DE66E2}"/>
+              </a:ext>
+            </a:extLst>
+          </p:cNvPr>
+          <p:cNvPicPr>
+            <a:picLocks noChangeAspect="1"/>
+          </p:cNvPicPr>
+          <p:nvPr/>
+        </p:nvPicPr>
+        <p:blipFill rotWithShape="1">
+          <a:blip r:embed="rId12">
+            <a:extLst>
+              <a:ext uri="{28A0092B-C50C-407E-A947-70E740481C1C}">
+                <a14:useLocalDpi xmlns:a14="http://schemas.microsoft.com/office/drawing/2010/main" val="0"/>
+              </a:ext>
+            </a:extLst>
+          </a:blip>
+          <a:srcRect l="22510" r="23700"/>
+          <a:stretch/>
+        </p:blipFill>
+        <p:spPr>
+          <a:xfrm>
+            <a:off x="10049066" y="3032724"/>
+            <a:ext cx="1826430" cy="1548408"/>
+          </a:xfrm>
+          <a:prstGeom prst="rect">
+            <a:avLst/>
+          </a:prstGeom>
+        </p:spPr>
+      </p:pic>
+      <p:pic>
+        <p:nvPicPr>
+          <p:cNvPr id="49" name="Picture 48">
+            <a:extLst>
+              <a:ext uri="{FF2B5EF4-FFF2-40B4-BE49-F238E27FC236}">
+                <a16:creationId xmlns:a16="http://schemas.microsoft.com/office/drawing/2014/main" id="{94C93878-2B79-4FAF-83B9-21D05D9BDDEF}"/>
+              </a:ext>
+            </a:extLst>
+          </p:cNvPr>
+          <p:cNvPicPr>
+            <a:picLocks noChangeAspect="1"/>
+          </p:cNvPicPr>
+          <p:nvPr/>
+        </p:nvPicPr>
+        <p:blipFill>
+          <a:blip r:embed="rId13">
+            <a:extLst>
+              <a:ext uri="{28A0092B-C50C-407E-A947-70E740481C1C}">
+                <a14:useLocalDpi xmlns:a14="http://schemas.microsoft.com/office/drawing/2010/main" val="0"/>
+              </a:ext>
+            </a:extLst>
+          </a:blip>
+          <a:stretch>
+            <a:fillRect/>
+          </a:stretch>
+        </p:blipFill>
+        <p:spPr>
+          <a:xfrm>
+            <a:off x="6053141" y="1507628"/>
+            <a:ext cx="2296511" cy="2395135"/>
+          </a:xfrm>
+          <a:prstGeom prst="rect">
+            <a:avLst/>
+          </a:prstGeom>
+        </p:spPr>
+      </p:pic>
+      <p:pic>
+        <p:nvPicPr>
+          <p:cNvPr id="4" name="Picture 3">
+            <a:extLst>
+              <a:ext uri="{FF2B5EF4-FFF2-40B4-BE49-F238E27FC236}">
+                <a16:creationId xmlns:a16="http://schemas.microsoft.com/office/drawing/2014/main" id="{93E42C8B-7507-49A8-AA87-CBD7E1522065}"/>
+              </a:ext>
+            </a:extLst>
+          </p:cNvPr>
+          <p:cNvPicPr>
+            <a:picLocks noChangeAspect="1"/>
+          </p:cNvPicPr>
+          <p:nvPr/>
+        </p:nvPicPr>
+        <p:blipFill>
+          <a:blip r:embed="rId14">
+            <a:extLst>
+              <a:ext uri="{28A0092B-C50C-407E-A947-70E740481C1C}">
+                <a14:useLocalDpi xmlns:a14="http://schemas.microsoft.com/office/drawing/2010/main" val="0"/>
+              </a:ext>
+            </a:extLst>
+          </a:blip>
+          <a:stretch>
+            <a:fillRect/>
+          </a:stretch>
+        </p:blipFill>
+        <p:spPr>
+          <a:xfrm rot="20204249">
+            <a:off x="8361434" y="4277409"/>
+            <a:ext cx="3560579" cy="1951725"/>
+          </a:xfrm>
+          <a:prstGeom prst="rect">
+            <a:avLst/>
+          </a:prstGeom>
+        </p:spPr>
+      </p:pic>
+      <p:pic>
+        <p:nvPicPr>
+          <p:cNvPr id="7" name="Picture 6">
+            <a:extLst>
+              <a:ext uri="{FF2B5EF4-FFF2-40B4-BE49-F238E27FC236}">
+                <a16:creationId xmlns:a16="http://schemas.microsoft.com/office/drawing/2014/main" id="{C7D800BF-B41A-4895-868C-5162E11D01AD}"/>
+              </a:ext>
+            </a:extLst>
+          </p:cNvPr>
+          <p:cNvPicPr>
+            <a:picLocks noChangeAspect="1"/>
+          </p:cNvPicPr>
+          <p:nvPr/>
+        </p:nvPicPr>
+        <p:blipFill>
+          <a:blip r:embed="rId15">
+            <a:extLst>
+              <a:ext uri="{28A0092B-C50C-407E-A947-70E740481C1C}">
+                <a14:useLocalDpi xmlns:a14="http://schemas.microsoft.com/office/drawing/2010/main" val="0"/>
+              </a:ext>
+            </a:extLst>
+          </a:blip>
+          <a:stretch>
+            <a:fillRect/>
+          </a:stretch>
+        </p:blipFill>
+        <p:spPr>
+          <a:xfrm>
+            <a:off x="9649715" y="1288925"/>
+            <a:ext cx="1970026" cy="2176289"/>
+          </a:xfrm>
+          <a:prstGeom prst="rect">
+            <a:avLst/>
+          </a:prstGeom>
+        </p:spPr>
+      </p:pic>
+      <p:pic>
+        <p:nvPicPr>
+          <p:cNvPr id="2" name="Picture 1">
+            <a:extLst>
+              <a:ext uri="{FF2B5EF4-FFF2-40B4-BE49-F238E27FC236}">
+                <a16:creationId xmlns:a16="http://schemas.microsoft.com/office/drawing/2014/main" id="{316631B5-3B27-C3FD-ED96-A30FD1EF99FE}"/>
+              </a:ext>
+            </a:extLst>
+          </p:cNvPr>
+          <p:cNvPicPr>
+            <a:picLocks noChangeAspect="1"/>
+          </p:cNvPicPr>
+          <p:nvPr/>
+        </p:nvPicPr>
+        <p:blipFill>
+          <a:blip r:embed="rId16">
+            <a:extLst>
+              <a:ext uri="{28A0092B-C50C-407E-A947-70E740481C1C}">
+                <a14:useLocalDpi xmlns:a14="http://schemas.microsoft.com/office/drawing/2010/main" val="0"/>
+              </a:ext>
+            </a:extLst>
+          </a:blip>
+          <a:srcRect l="17964" t="7388" r="18048" b="9741"/>
+          <a:stretch/>
+        </p:blipFill>
+        <p:spPr>
+          <a:xfrm>
+            <a:off x="3949932" y="1501521"/>
+            <a:ext cx="3189124" cy="2326349"/>
+          </a:xfrm>
+          <a:prstGeom prst="rect">
+            <a:avLst/>
+          </a:prstGeom>
+        </p:spPr>
+      </p:pic>
+      <p:pic>
+        <p:nvPicPr>
+          <p:cNvPr id="5" name="Picture 4">
+            <a:extLst>
+              <a:ext uri="{FF2B5EF4-FFF2-40B4-BE49-F238E27FC236}">
+                <a16:creationId xmlns:a16="http://schemas.microsoft.com/office/drawing/2014/main" id="{5CAAC2F1-35BF-ACA8-2A40-56C6D8E9D354}"/>
+              </a:ext>
+            </a:extLst>
+          </p:cNvPr>
+          <p:cNvPicPr>
+            <a:picLocks noChangeAspect="1"/>
+          </p:cNvPicPr>
+          <p:nvPr/>
+        </p:nvPicPr>
+        <p:blipFill>
+          <a:blip r:embed="rId17">
+            <a:extLst>
+              <a:ext uri="{28A0092B-C50C-407E-A947-70E740481C1C}">
+                <a14:useLocalDpi xmlns:a14="http://schemas.microsoft.com/office/drawing/2010/main" val="0"/>
+              </a:ext>
+            </a:extLst>
+          </a:blip>
+          <a:srcRect l="9224" t="8139" r="10858" b="6663"/>
+          <a:stretch/>
+        </p:blipFill>
+        <p:spPr>
+          <a:xfrm>
+            <a:off x="3765696" y="2957376"/>
+            <a:ext cx="4184955" cy="2512074"/>
+          </a:xfrm>
+          <a:prstGeom prst="rect">
+            <a:avLst/>
+          </a:prstGeom>
+        </p:spPr>
+      </p:pic>
+    </p:spTree>
+    <p:extLst>
+      <p:ext uri="{BB962C8B-B14F-4D97-AF65-F5344CB8AC3E}">
+        <p14:creationId xmlns:p14="http://schemas.microsoft.com/office/powerpoint/2010/main" val="2932722058"/>
       </p:ext>
     </p:extLst>
   </p:cSld>
